--- a/卒業論文/2014/齋藤勇也/中間発表ポスター（齋藤）.pptx
+++ b/卒業論文/2014/齋藤勇也/中間発表ポスター（齋藤）.pptx
@@ -208,7 +208,7 @@
           <a:p>
             <a:fld id="{EBDABDDA-217B-40F7-B562-7EFC1E18F5FB}" type="datetimeFigureOut">
               <a:rPr kumimoji="1" lang="ja-JP" altLang="en-US" smtClean="0"/>
-              <a:t>2015/10/6</a:t>
+              <a:t>2015/10/7</a:t>
             </a:fld>
             <a:endParaRPr kumimoji="1" lang="ja-JP" altLang="en-US"/>
           </a:p>
@@ -785,7 +785,7 @@
             <a:fld id="{CD18CB5A-6947-405F-A94A-52FF85729738}" type="datetimeFigureOut">
               <a:rPr kumimoji="1" lang="ja-JP" altLang="en-US" smtClean="0"/>
               <a:pPr/>
-              <a:t>2015/10/6</a:t>
+              <a:t>2015/10/7</a:t>
             </a:fld>
             <a:endParaRPr kumimoji="1" lang="ja-JP" altLang="en-US"/>
           </a:p>
@@ -989,7 +989,7 @@
             <a:fld id="{CD18CB5A-6947-405F-A94A-52FF85729738}" type="datetimeFigureOut">
               <a:rPr kumimoji="1" lang="ja-JP" altLang="en-US" smtClean="0"/>
               <a:pPr/>
-              <a:t>2015/10/6</a:t>
+              <a:t>2015/10/7</a:t>
             </a:fld>
             <a:endParaRPr kumimoji="1" lang="ja-JP" altLang="en-US"/>
           </a:p>
@@ -1203,7 +1203,7 @@
             <a:fld id="{CD18CB5A-6947-405F-A94A-52FF85729738}" type="datetimeFigureOut">
               <a:rPr kumimoji="1" lang="ja-JP" altLang="en-US" smtClean="0"/>
               <a:pPr/>
-              <a:t>2015/10/6</a:t>
+              <a:t>2015/10/7</a:t>
             </a:fld>
             <a:endParaRPr kumimoji="1" lang="ja-JP" altLang="en-US"/>
           </a:p>
@@ -1407,7 +1407,7 @@
             <a:fld id="{CD18CB5A-6947-405F-A94A-52FF85729738}" type="datetimeFigureOut">
               <a:rPr kumimoji="1" lang="ja-JP" altLang="en-US" smtClean="0"/>
               <a:pPr/>
-              <a:t>2015/10/6</a:t>
+              <a:t>2015/10/7</a:t>
             </a:fld>
             <a:endParaRPr kumimoji="1" lang="ja-JP" altLang="en-US"/>
           </a:p>
@@ -1655,7 +1655,7 @@
             <a:fld id="{CD18CB5A-6947-405F-A94A-52FF85729738}" type="datetimeFigureOut">
               <a:rPr kumimoji="1" lang="ja-JP" altLang="en-US" smtClean="0"/>
               <a:pPr/>
-              <a:t>2015/10/6</a:t>
+              <a:t>2015/10/7</a:t>
             </a:fld>
             <a:endParaRPr kumimoji="1" lang="ja-JP" altLang="en-US"/>
           </a:p>
@@ -2009,7 +2009,7 @@
             <a:fld id="{CD18CB5A-6947-405F-A94A-52FF85729738}" type="datetimeFigureOut">
               <a:rPr kumimoji="1" lang="ja-JP" altLang="en-US" smtClean="0"/>
               <a:pPr/>
-              <a:t>2015/10/6</a:t>
+              <a:t>2015/10/7</a:t>
             </a:fld>
             <a:endParaRPr kumimoji="1" lang="ja-JP" altLang="en-US"/>
           </a:p>
@@ -2497,7 +2497,7 @@
             <a:fld id="{CD18CB5A-6947-405F-A94A-52FF85729738}" type="datetimeFigureOut">
               <a:rPr kumimoji="1" lang="ja-JP" altLang="en-US" smtClean="0"/>
               <a:pPr/>
-              <a:t>2015/10/6</a:t>
+              <a:t>2015/10/7</a:t>
             </a:fld>
             <a:endParaRPr kumimoji="1" lang="ja-JP" altLang="en-US"/>
           </a:p>
@@ -2617,7 +2617,7 @@
             <a:fld id="{CD18CB5A-6947-405F-A94A-52FF85729738}" type="datetimeFigureOut">
               <a:rPr kumimoji="1" lang="ja-JP" altLang="en-US" smtClean="0"/>
               <a:pPr/>
-              <a:t>2015/10/6</a:t>
+              <a:t>2015/10/7</a:t>
             </a:fld>
             <a:endParaRPr kumimoji="1" lang="ja-JP" altLang="en-US"/>
           </a:p>
@@ -2714,7 +2714,7 @@
             <a:fld id="{CD18CB5A-6947-405F-A94A-52FF85729738}" type="datetimeFigureOut">
               <a:rPr kumimoji="1" lang="ja-JP" altLang="en-US" smtClean="0"/>
               <a:pPr/>
-              <a:t>2015/10/6</a:t>
+              <a:t>2015/10/7</a:t>
             </a:fld>
             <a:endParaRPr kumimoji="1" lang="ja-JP" altLang="en-US"/>
           </a:p>
@@ -3025,7 +3025,7 @@
             <a:fld id="{CD18CB5A-6947-405F-A94A-52FF85729738}" type="datetimeFigureOut">
               <a:rPr kumimoji="1" lang="ja-JP" altLang="en-US" smtClean="0"/>
               <a:pPr/>
-              <a:t>2015/10/6</a:t>
+              <a:t>2015/10/7</a:t>
             </a:fld>
             <a:endParaRPr kumimoji="1" lang="ja-JP" altLang="en-US"/>
           </a:p>
@@ -3280,7 +3280,7 @@
             <a:fld id="{CD18CB5A-6947-405F-A94A-52FF85729738}" type="datetimeFigureOut">
               <a:rPr kumimoji="1" lang="ja-JP" altLang="en-US" smtClean="0"/>
               <a:pPr/>
-              <a:t>2015/10/6</a:t>
+              <a:t>2015/10/7</a:t>
             </a:fld>
             <a:endParaRPr kumimoji="1" lang="ja-JP" altLang="en-US"/>
           </a:p>
@@ -3527,7 +3527,7 @@
             <a:fld id="{CD18CB5A-6947-405F-A94A-52FF85729738}" type="datetimeFigureOut">
               <a:rPr kumimoji="1" lang="ja-JP" altLang="en-US" smtClean="0"/>
               <a:pPr/>
-              <a:t>2015/10/6</a:t>
+              <a:t>2015/10/7</a:t>
             </a:fld>
             <a:endParaRPr kumimoji="1" lang="ja-JP" altLang="en-US"/>
           </a:p>
@@ -4914,13 +4914,21 @@
           </a:bodyPr>
           <a:lstStyle/>
           <a:p>
-            <a:pPr marL="857250" indent="-857250">
-              <a:buFont typeface="Arial" panose="020B0604020202020204" pitchFamily="34" charset="0"/>
-              <a:buChar char="•"/>
-            </a:pPr>
             <a:r>
               <a:rPr lang="ja-JP" altLang="en-US" sz="5400" b="1" dirty="0"/>
-              <a:t>信頼性が</a:t>
+              <a:t>　</a:t>
+            </a:r>
+            <a:r>
+              <a:rPr lang="ja-JP" altLang="en-US" sz="5400" b="1" dirty="0" smtClean="0"/>
+              <a:t>　</a:t>
+            </a:r>
+            <a:r>
+              <a:rPr lang="ja-JP" altLang="en-US" sz="5400" b="1" dirty="0" smtClean="0"/>
+              <a:t>信頼性</a:t>
+            </a:r>
+            <a:r>
+              <a:rPr lang="ja-JP" altLang="en-US" sz="5400" b="1" dirty="0"/>
+              <a:t>が</a:t>
             </a:r>
             <a:r>
               <a:rPr lang="ja-JP" altLang="en-US" sz="5400" b="1" dirty="0" smtClean="0"/>
@@ -4983,7 +4991,7 @@
         </p:nvSpPr>
         <p:spPr>
           <a:xfrm>
-            <a:off x="6038925" y="16302966"/>
+            <a:off x="5845449" y="16303991"/>
             <a:ext cx="14078337" cy="1569660"/>
           </a:xfrm>
           <a:prstGeom prst="rect">
@@ -5016,13 +5024,7 @@
               <a:rPr lang="ja-JP" altLang="en-US" sz="4800" dirty="0" smtClean="0">
                 <a:latin typeface="NimbusRomNo9L-ReguItal"/>
               </a:rPr>
-              <a:t>のデータを利用</a:t>
-            </a:r>
-            <a:r>
-              <a:rPr lang="ja-JP" altLang="en-US" sz="4800" dirty="0" smtClean="0">
-                <a:latin typeface="NimbusRomNo9L-ReguItal"/>
-              </a:rPr>
-              <a:t>して</a:t>
+              <a:t>のデータを利用して</a:t>
             </a:r>
             <a:endParaRPr lang="en-US" altLang="ja-JP" sz="4800" dirty="0" smtClean="0">
               <a:latin typeface="NimbusRomNo9L-ReguItal"/>
@@ -5053,7 +5055,7 @@
         </p:nvSpPr>
         <p:spPr>
           <a:xfrm>
-            <a:off x="3708622" y="494464"/>
+            <a:off x="2300838" y="457195"/>
             <a:ext cx="17681945" cy="3204743"/>
           </a:xfrm>
           <a:prstGeom prst="snipRoundRect">
@@ -5198,36 +5200,6 @@
           </a:p>
         </p:txBody>
       </p:sp>
-      <p:pic>
-        <p:nvPicPr>
-          <p:cNvPr id="29" name="図 28"/>
-          <p:cNvPicPr>
-            <a:picLocks noChangeAspect="1"/>
-          </p:cNvPicPr>
-          <p:nvPr/>
-        </p:nvPicPr>
-        <p:blipFill>
-          <a:blip r:embed="rId3">
-            <a:extLst>
-              <a:ext uri="{28A0092B-C50C-407E-A947-70E740481C1C}">
-                <a14:useLocalDpi xmlns:a14="http://schemas.microsoft.com/office/drawing/2010/main" val="0"/>
-              </a:ext>
-            </a:extLst>
-          </a:blip>
-          <a:stretch>
-            <a:fillRect/>
-          </a:stretch>
-        </p:blipFill>
-        <p:spPr>
-          <a:xfrm>
-            <a:off x="396256" y="608523"/>
-            <a:ext cx="2628504" cy="2628504"/>
-          </a:xfrm>
-          <a:prstGeom prst="rect">
-            <a:avLst/>
-          </a:prstGeom>
-        </p:spPr>
-      </p:pic>
       <p:sp>
         <p:nvSpPr>
           <p:cNvPr id="34" name="角丸四角形 33"/>
@@ -5458,14 +5430,38 @@
             </a:pPr>
             <a:r>
               <a:rPr lang="ja-JP" altLang="en-US" sz="4400" dirty="0" smtClean="0"/>
-              <a:t>レビューが参考になった，ならない</a:t>
+              <a:t>レビュー</a:t>
+            </a:r>
+            <a:r>
+              <a:rPr lang="ja-JP" altLang="en-US" sz="4400" dirty="0" smtClean="0"/>
+              <a:t>が「参考</a:t>
+            </a:r>
+            <a:r>
+              <a:rPr lang="ja-JP" altLang="en-US" sz="4400" dirty="0" smtClean="0"/>
+              <a:t>になった，</a:t>
+            </a:r>
+            <a:r>
+              <a:rPr lang="ja-JP" altLang="en-US" sz="4400" dirty="0" smtClean="0"/>
+              <a:t>ならない」</a:t>
             </a:r>
             <a:endParaRPr lang="en-US" altLang="ja-JP" sz="4400" dirty="0" smtClean="0"/>
           </a:p>
           <a:p>
             <a:r>
               <a:rPr lang="ja-JP" altLang="en-US" sz="4400" dirty="0" smtClean="0"/>
-              <a:t>　　購入した，購入していない　</a:t>
+              <a:t>　　</a:t>
+            </a:r>
+            <a:r>
+              <a:rPr lang="ja-JP" altLang="en-US" sz="4400" dirty="0" smtClean="0"/>
+              <a:t>「購入</a:t>
+            </a:r>
+            <a:r>
+              <a:rPr lang="ja-JP" altLang="en-US" sz="4400" dirty="0" smtClean="0"/>
+              <a:t>した，購入して</a:t>
+            </a:r>
+            <a:r>
+              <a:rPr lang="ja-JP" altLang="en-US" sz="4400" dirty="0" smtClean="0"/>
+              <a:t>いない」</a:t>
             </a:r>
             <a:r>
               <a:rPr lang="ja-JP" altLang="en-US" sz="4400" dirty="0" err="1" smtClean="0"/>
@@ -5506,7 +5502,7 @@
           <p:nvPr/>
         </p:nvPicPr>
         <p:blipFill>
-          <a:blip r:embed="rId4"/>
+          <a:blip r:embed="rId3"/>
           <a:stretch>
             <a:fillRect/>
           </a:stretch>
@@ -5596,15 +5592,7 @@
           <a:p>
             <a:r>
               <a:rPr lang="ja-JP" altLang="en-US" sz="4400" dirty="0" smtClean="0"/>
-              <a:t>重み着き平均</a:t>
-            </a:r>
-            <a:r>
-              <a:rPr lang="ja-JP" altLang="en-US" sz="4400" dirty="0" smtClean="0"/>
-              <a:t>のほう</a:t>
-            </a:r>
-            <a:r>
-              <a:rPr lang="ja-JP" altLang="en-US" sz="4400" dirty="0" smtClean="0"/>
-              <a:t>が約１小さい結果が出た．</a:t>
+              <a:t>重み着き平均のほうが約１小さい結果が出た．</a:t>
             </a:r>
             <a:endParaRPr kumimoji="1" lang="en-US" altLang="ja-JP" sz="4400" dirty="0" smtClean="0"/>
           </a:p>
@@ -5784,14 +5772,14 @@
           <p:nvPr/>
         </p:nvPicPr>
         <p:blipFill>
-          <a:blip r:embed="rId5"/>
+          <a:blip r:embed="rId4"/>
           <a:stretch>
             <a:fillRect/>
           </a:stretch>
         </p:blipFill>
         <p:spPr>
           <a:xfrm>
-            <a:off x="7630952" y="20503428"/>
+            <a:off x="9080092" y="20503427"/>
             <a:ext cx="10894282" cy="2082453"/>
           </a:xfrm>
           <a:prstGeom prst="rect">
@@ -5807,7 +5795,7 @@
         </p:nvSpPr>
         <p:spPr>
           <a:xfrm>
-            <a:off x="4390254" y="20949370"/>
+            <a:off x="5839394" y="20949369"/>
             <a:ext cx="8361774" cy="923330"/>
           </a:xfrm>
           <a:prstGeom prst="rect">
@@ -5820,7 +5808,7 @@
           </a:bodyPr>
           <a:lstStyle/>
           <a:p>
-            <a:pPr marL="857250" indent="-857250">
+            <a:pPr marL="685800" indent="-685800">
               <a:buFont typeface="Arial" panose="020B0604020202020204" pitchFamily="34" charset="0"/>
               <a:buChar char="•"/>
             </a:pPr>

--- a/卒業論文/2014/齋藤勇也/中間発表ポスター（齋藤）.pptx
+++ b/卒業論文/2014/齋藤勇也/中間発表ポスター（齋藤）.pptx
@@ -4920,11 +4920,7 @@
             </a:r>
             <a:r>
               <a:rPr lang="ja-JP" altLang="en-US" sz="5400" b="1" dirty="0" smtClean="0"/>
-              <a:t>　</a:t>
-            </a:r>
-            <a:r>
-              <a:rPr lang="ja-JP" altLang="en-US" sz="5400" b="1" dirty="0" smtClean="0"/>
-              <a:t>信頼性</a:t>
+              <a:t>　信頼性</a:t>
             </a:r>
             <a:r>
               <a:rPr lang="ja-JP" altLang="en-US" sz="5400" b="1" dirty="0"/>
@@ -5430,42 +5426,26 @@
             </a:pPr>
             <a:r>
               <a:rPr lang="ja-JP" altLang="en-US" sz="4400" dirty="0" smtClean="0"/>
-              <a:t>レビュー</a:t>
-            </a:r>
+              <a:t>レビューが「参考になった，ならない」</a:t>
+            </a:r>
+            <a:endParaRPr lang="en-US" altLang="ja-JP" sz="4400" dirty="0" smtClean="0"/>
+          </a:p>
+          <a:p>
             <a:r>
               <a:rPr lang="ja-JP" altLang="en-US" sz="4400" dirty="0" smtClean="0"/>
-              <a:t>が「参考</a:t>
+              <a:t>　　「購入した，購入していない</a:t>
             </a:r>
             <a:r>
               <a:rPr lang="ja-JP" altLang="en-US" sz="4400" dirty="0" smtClean="0"/>
-              <a:t>になった，</a:t>
+              <a:t>」</a:t>
             </a:r>
             <a:r>
               <a:rPr lang="ja-JP" altLang="en-US" sz="4400" dirty="0" smtClean="0"/>
-              <a:t>ならない」</a:t>
-            </a:r>
-            <a:endParaRPr lang="en-US" altLang="ja-JP" sz="4400" dirty="0" smtClean="0"/>
-          </a:p>
-          <a:p>
-            <a:r>
-              <a:rPr lang="ja-JP" altLang="en-US" sz="4400" dirty="0" smtClean="0"/>
-              <a:t>　　</a:t>
-            </a:r>
-            <a:r>
-              <a:rPr lang="ja-JP" altLang="en-US" sz="4400" dirty="0" smtClean="0"/>
-              <a:t>「購入</a:t>
-            </a:r>
-            <a:r>
-              <a:rPr lang="ja-JP" altLang="en-US" sz="4400" dirty="0" smtClean="0"/>
-              <a:t>した，購入して</a:t>
-            </a:r>
-            <a:r>
-              <a:rPr lang="ja-JP" altLang="en-US" sz="4400" dirty="0" smtClean="0"/>
-              <a:t>いない」</a:t>
-            </a:r>
-            <a:r>
-              <a:rPr lang="ja-JP" altLang="en-US" sz="4400" dirty="0" err="1" smtClean="0"/>
-              <a:t>ような</a:t>
+              <a:t>よう</a:t>
+            </a:r>
+            <a:r>
+              <a:rPr lang="ja-JP" altLang="en-US" sz="4400" dirty="0"/>
+              <a:t>に</a:t>
             </a:r>
             <a:endParaRPr lang="en-US" altLang="ja-JP" sz="4400" dirty="0" smtClean="0"/>
           </a:p>
